--- a/life expectancy at birth histogram.pptx
+++ b/life expectancy at birth histogram.pptx
@@ -3327,7 +3327,7 @@
           <p:cNvPr id="0" name="slide1">
             <a:extLst>
               <a:ext uri="{FF2B5EF4-FFF2-40B4-BE49-F238E27FC236}">
-                <a16:creationId xmlns:a16="http://schemas.microsoft.com/office/drawing/2014/main" id="{2FCB58F1-1D4D-4543-8068-6C346DCD6A49}"/>
+                <a16:creationId xmlns:a16="http://schemas.microsoft.com/office/drawing/2014/main" id="{855E9713-3C39-4EAC-AEE3-5F7543668654}"/>
               </a:ext>
             </a:extLst>
           </p:cNvPr>
@@ -3355,7 +3355,7 @@
           <p:cNvPr id="1" name="slide1">
             <a:extLst>
               <a:ext uri="{FF2B5EF4-FFF2-40B4-BE49-F238E27FC236}">
-                <a16:creationId xmlns:a16="http://schemas.microsoft.com/office/drawing/2014/main" id="{D511CE95-DDF6-4023-9941-E7DF44EC1A50}"/>
+                <a16:creationId xmlns:a16="http://schemas.microsoft.com/office/drawing/2014/main" id="{461DDAE3-F32F-4E83-942E-5F6E2D918021}"/>
               </a:ext>
             </a:extLst>
           </p:cNvPr>
@@ -3373,7 +3373,7 @@
           <a:p>
             <a:r>
               <a:rPr/>
-              <a:t>File created on: 05/08/2021 21:23:45</a:t>
+              <a:t>File created on: 8/5/2021 11:50:52 PM</a:t>
             </a:r>
           </a:p>
         </p:txBody>
@@ -3413,7 +3413,7 @@
           <p:cNvPr descr="Sheet 1" id="2" name="slide2">
             <a:extLst>
               <a:ext uri="{FF2B5EF4-FFF2-40B4-BE49-F238E27FC236}">
-                <a16:creationId xmlns:a16="http://schemas.microsoft.com/office/drawing/2014/main" id="{5F26BBA7-EF02-4315-88E3-F76DCE750775}"/>
+                <a16:creationId xmlns:a16="http://schemas.microsoft.com/office/drawing/2014/main" id="{93169793-5A4C-4EA2-BF55-F2F527E20265}"/>
               </a:ext>
             </a:extLst>
           </p:cNvPr>
@@ -3436,8 +3436,8 @@
         </p:blipFill>
         <p:spPr>
           <a:xfrm>
-            <a:off x="3133725" y="814387"/>
-            <a:ext cx="5924550" cy="5229225"/>
+            <a:off x="323919" y="0"/>
+            <a:ext cx="11544161" cy="6858000"/>
           </a:xfrm>
           <a:prstGeom prst="rect">
             <a:avLst/>
